--- a/docs/Meetings/Viva/Viva.pptx
+++ b/docs/Meetings/Viva/Viva.pptx
@@ -11,7 +11,8 @@
     <p:sldId id="259" r:id="rId5"/>
     <p:sldId id="260" r:id="rId6"/>
     <p:sldId id="261" r:id="rId7"/>
-    <p:sldId id="262" r:id="rId8"/>
+    <p:sldId id="263" r:id="rId8"/>
+    <p:sldId id="262" r:id="rId9"/>
   </p:sldIdLst>
   <p:sldSz cx="12192000" cy="6858000"/>
   <p:notesSz cx="6858000" cy="9144000"/>
@@ -110,6 +111,11 @@
       </a:defRPr>
     </a:lvl9pPr>
   </p:defaultTextStyle>
+  <p:extLst>
+    <p:ext uri="{EFAFB233-063F-42B5-8137-9DF3F51BA10A}">
+      <p15:sldGuideLst xmlns:p15="http://schemas.microsoft.com/office/powerpoint/2012/main"/>
+    </p:ext>
+  </p:extLst>
 </p:presentation>
 </file>
 
@@ -448,7 +454,7 @@
           <a:p>
             <a:fld id="{02BFB963-AF9B-5743-BA80-EBE7981ED0EB}" type="datetimeFigureOut">
               <a:rPr lang="en-US" smtClean="0"/>
-              <a:t>5/19/22</a:t>
+              <a:t>5/20/22</a:t>
             </a:fld>
             <a:endParaRPr lang="en-US"/>
           </a:p>
@@ -1536,7 +1542,7 @@
           <a:p>
             <a:fld id="{02BFB963-AF9B-5743-BA80-EBE7981ED0EB}" type="datetimeFigureOut">
               <a:rPr lang="en-US" smtClean="0"/>
-              <a:t>5/19/22</a:t>
+              <a:t>5/20/22</a:t>
             </a:fld>
             <a:endParaRPr lang="en-US"/>
           </a:p>
@@ -2516,7 +2522,7 @@
           <a:p>
             <a:fld id="{02BFB963-AF9B-5743-BA80-EBE7981ED0EB}" type="datetimeFigureOut">
               <a:rPr lang="en-US" smtClean="0"/>
-              <a:t>5/19/22</a:t>
+              <a:t>5/20/22</a:t>
             </a:fld>
             <a:endParaRPr lang="en-US"/>
           </a:p>
@@ -3650,7 +3656,7 @@
           <a:p>
             <a:fld id="{02BFB963-AF9B-5743-BA80-EBE7981ED0EB}" type="datetimeFigureOut">
               <a:rPr lang="en-US" smtClean="0"/>
-              <a:t>5/19/22</a:t>
+              <a:t>5/20/22</a:t>
             </a:fld>
             <a:endParaRPr lang="en-US"/>
           </a:p>
@@ -4683,7 +4689,7 @@
           <a:p>
             <a:fld id="{02BFB963-AF9B-5743-BA80-EBE7981ED0EB}" type="datetimeFigureOut">
               <a:rPr lang="en-US" smtClean="0"/>
-              <a:t>5/19/22</a:t>
+              <a:t>5/20/22</a:t>
             </a:fld>
             <a:endParaRPr lang="en-US"/>
           </a:p>
@@ -5343,7 +5349,7 @@
           <a:p>
             <a:fld id="{02BFB963-AF9B-5743-BA80-EBE7981ED0EB}" type="datetimeFigureOut">
               <a:rPr lang="en-US" smtClean="0"/>
-              <a:t>5/19/22</a:t>
+              <a:t>5/20/22</a:t>
             </a:fld>
             <a:endParaRPr lang="en-US"/>
           </a:p>
@@ -6204,7 +6210,7 @@
           <a:p>
             <a:fld id="{02BFB963-AF9B-5743-BA80-EBE7981ED0EB}" type="datetimeFigureOut">
               <a:rPr lang="en-US" smtClean="0"/>
-              <a:t>5/19/22</a:t>
+              <a:t>5/20/22</a:t>
             </a:fld>
             <a:endParaRPr lang="en-US"/>
           </a:p>
@@ -6394,7 +6400,7 @@
           <a:p>
             <a:fld id="{02BFB963-AF9B-5743-BA80-EBE7981ED0EB}" type="datetimeFigureOut">
               <a:rPr lang="en-US" smtClean="0"/>
-              <a:t>5/19/22</a:t>
+              <a:t>5/20/22</a:t>
             </a:fld>
             <a:endParaRPr lang="en-US"/>
           </a:p>
@@ -7366,7 +7372,7 @@
           <a:p>
             <a:fld id="{02BFB963-AF9B-5743-BA80-EBE7981ED0EB}" type="datetimeFigureOut">
               <a:rPr lang="en-US" smtClean="0"/>
-              <a:t>5/19/22</a:t>
+              <a:t>5/20/22</a:t>
             </a:fld>
             <a:endParaRPr lang="en-US"/>
           </a:p>
@@ -7577,7 +7583,7 @@
           <a:p>
             <a:fld id="{02BFB963-AF9B-5743-BA80-EBE7981ED0EB}" type="datetimeFigureOut">
               <a:rPr lang="en-US" smtClean="0"/>
-              <a:t>5/19/22</a:t>
+              <a:t>5/20/22</a:t>
             </a:fld>
             <a:endParaRPr lang="en-US"/>
           </a:p>
@@ -8611,7 +8617,7 @@
           <a:p>
             <a:fld id="{02BFB963-AF9B-5743-BA80-EBE7981ED0EB}" type="datetimeFigureOut">
               <a:rPr lang="en-US" smtClean="0"/>
-              <a:t>5/19/22</a:t>
+              <a:t>5/20/22</a:t>
             </a:fld>
             <a:endParaRPr lang="en-US"/>
           </a:p>
@@ -8883,7 +8889,7 @@
           <a:p>
             <a:fld id="{02BFB963-AF9B-5743-BA80-EBE7981ED0EB}" type="datetimeFigureOut">
               <a:rPr lang="en-US" smtClean="0"/>
-              <a:t>5/19/22</a:t>
+              <a:t>5/20/22</a:t>
             </a:fld>
             <a:endParaRPr lang="en-US"/>
           </a:p>
@@ -9293,7 +9299,7 @@
           <a:p>
             <a:fld id="{02BFB963-AF9B-5743-BA80-EBE7981ED0EB}" type="datetimeFigureOut">
               <a:rPr lang="en-US" smtClean="0"/>
-              <a:t>5/19/22</a:t>
+              <a:t>5/20/22</a:t>
             </a:fld>
             <a:endParaRPr lang="en-US"/>
           </a:p>
@@ -9420,7 +9426,7 @@
           <a:p>
             <a:fld id="{02BFB963-AF9B-5743-BA80-EBE7981ED0EB}" type="datetimeFigureOut">
               <a:rPr lang="en-US" smtClean="0"/>
-              <a:t>5/19/22</a:t>
+              <a:t>5/20/22</a:t>
             </a:fld>
             <a:endParaRPr lang="en-US"/>
           </a:p>
@@ -9515,7 +9521,7 @@
           <a:p>
             <a:fld id="{02BFB963-AF9B-5743-BA80-EBE7981ED0EB}" type="datetimeFigureOut">
               <a:rPr lang="en-US" smtClean="0"/>
-              <a:t>5/19/22</a:t>
+              <a:t>5/20/22</a:t>
             </a:fld>
             <a:endParaRPr lang="en-US"/>
           </a:p>
@@ -10596,7 +10602,7 @@
           <a:p>
             <a:fld id="{02BFB963-AF9B-5743-BA80-EBE7981ED0EB}" type="datetimeFigureOut">
               <a:rPr lang="en-US" smtClean="0"/>
-              <a:t>5/19/22</a:t>
+              <a:t>5/20/22</a:t>
             </a:fld>
             <a:endParaRPr lang="en-US"/>
           </a:p>
@@ -11704,7 +11710,7 @@
           <a:p>
             <a:fld id="{02BFB963-AF9B-5743-BA80-EBE7981ED0EB}" type="datetimeFigureOut">
               <a:rPr lang="en-US" smtClean="0"/>
-              <a:t>5/19/22</a:t>
+              <a:t>5/20/22</a:t>
             </a:fld>
             <a:endParaRPr lang="en-US"/>
           </a:p>
@@ -12701,7 +12707,7 @@
           <a:p>
             <a:fld id="{02BFB963-AF9B-5743-BA80-EBE7981ED0EB}" type="datetimeFigureOut">
               <a:rPr lang="en-US" smtClean="0"/>
-              <a:t>5/19/22</a:t>
+              <a:t>5/20/22</a:t>
             </a:fld>
             <a:endParaRPr lang="en-US"/>
           </a:p>
@@ -13311,7 +13317,7 @@
           <a:p>
             <a:r>
               <a:rPr lang="en-US" dirty="0"/>
-              <a:t>Caching, trading activity, And mobile app</a:t>
+              <a:t>Caching, trading activity, Encryption, And mobile app</a:t>
             </a:r>
           </a:p>
         </p:txBody>
@@ -13883,6 +13889,104 @@
 </file>
 
 <file path=ppt/slides/slide7.xml><?xml version="1.0" encoding="utf-8"?>
+<p:sld xmlns:a="http://schemas.openxmlformats.org/drawingml/2006/main" xmlns:r="http://schemas.openxmlformats.org/officeDocument/2006/relationships" xmlns:p="http://schemas.openxmlformats.org/presentationml/2006/main">
+  <p:cSld>
+    <p:spTree>
+      <p:nvGrpSpPr>
+        <p:cNvPr id="1" name=""/>
+        <p:cNvGrpSpPr/>
+        <p:nvPr/>
+      </p:nvGrpSpPr>
+      <p:grpSpPr>
+        <a:xfrm>
+          <a:off x="0" y="0"/>
+          <a:ext cx="0" cy="0"/>
+          <a:chOff x="0" y="0"/>
+          <a:chExt cx="0" cy="0"/>
+        </a:xfrm>
+      </p:grpSpPr>
+      <p:sp>
+        <p:nvSpPr>
+          <p:cNvPr id="2" name="Title 1">
+            <a:extLst>
+              <a:ext uri="{FF2B5EF4-FFF2-40B4-BE49-F238E27FC236}">
+                <a16:creationId xmlns:a16="http://schemas.microsoft.com/office/drawing/2014/main" id="{22CD704D-5A21-A24D-816B-2F2C1F34AE29}"/>
+              </a:ext>
+            </a:extLst>
+          </p:cNvPr>
+          <p:cNvSpPr>
+            <a:spLocks noGrp="1"/>
+          </p:cNvSpPr>
+          <p:nvPr>
+            <p:ph type="title"/>
+          </p:nvPr>
+        </p:nvSpPr>
+        <p:spPr/>
+        <p:txBody>
+          <a:bodyPr/>
+          <a:lstStyle/>
+          <a:p>
+            <a:r>
+              <a:rPr lang="en-US" dirty="0"/>
+              <a:t>Encryption</a:t>
+            </a:r>
+          </a:p>
+        </p:txBody>
+      </p:sp>
+      <p:sp>
+        <p:nvSpPr>
+          <p:cNvPr id="3" name="Content Placeholder 2">
+            <a:extLst>
+              <a:ext uri="{FF2B5EF4-FFF2-40B4-BE49-F238E27FC236}">
+                <a16:creationId xmlns:a16="http://schemas.microsoft.com/office/drawing/2014/main" id="{CACFB401-A0A6-7148-B448-2799DC4824C2}"/>
+              </a:ext>
+            </a:extLst>
+          </p:cNvPr>
+          <p:cNvSpPr>
+            <a:spLocks noGrp="1"/>
+          </p:cNvSpPr>
+          <p:nvPr>
+            <p:ph idx="1"/>
+          </p:nvPr>
+        </p:nvSpPr>
+        <p:spPr/>
+        <p:txBody>
+          <a:bodyPr/>
+          <a:lstStyle/>
+          <a:p>
+            <a:r>
+              <a:rPr lang="en-US" dirty="0"/>
+              <a:t>Client-side symmetric encryption using AES to protect user data.</a:t>
+            </a:r>
+          </a:p>
+          <a:p>
+            <a:r>
+              <a:rPr lang="en-US" dirty="0"/>
+              <a:t>Asymmetric encryption using RSA to account for hosts that may not have HTTPS / an SSL certificate.</a:t>
+            </a:r>
+          </a:p>
+          <a:p>
+            <a:r>
+              <a:rPr lang="en-US" dirty="0"/>
+              <a:t>Protection against MITM attacks, server hijacking, sabotage etc.</a:t>
+            </a:r>
+          </a:p>
+        </p:txBody>
+      </p:sp>
+    </p:spTree>
+    <p:extLst>
+      <p:ext uri="{BB962C8B-B14F-4D97-AF65-F5344CB8AC3E}">
+        <p14:creationId xmlns:p14="http://schemas.microsoft.com/office/powerpoint/2010/main" val="4003839395"/>
+      </p:ext>
+    </p:extLst>
+  </p:cSld>
+  <p:clrMapOvr>
+    <a:masterClrMapping/>
+  </p:clrMapOvr>
+</p:sld>
+</file>
+
+<file path=ppt/slides/slide8.xml><?xml version="1.0" encoding="utf-8"?>
 <p:sld xmlns:a="http://schemas.openxmlformats.org/drawingml/2006/main" xmlns:r="http://schemas.openxmlformats.org/officeDocument/2006/relationships" xmlns:p="http://schemas.openxmlformats.org/presentationml/2006/main">
   <p:cSld>
     <p:spTree>
